--- a/documentatie/prezentare2.pptx
+++ b/documentatie/prezentare2.pptx
@@ -6230,6 +6230,111 @@
           </a:p>
         </p:txBody>
       </p:sp>
+      <p:sp>
+        <p:nvSpPr>
+          <p:cNvPr id="3" name="TextBox 2"/>
+          <p:cNvSpPr txBox="1"/>
+          <p:nvPr/>
+        </p:nvSpPr>
+        <p:spPr>
+          <a:xfrm>
+            <a:off x="1242646" y="1969477"/>
+            <a:ext cx="7092461" cy="3477875"/>
+          </a:xfrm>
+          <a:prstGeom prst="rect">
+            <a:avLst/>
+          </a:prstGeom>
+          <a:noFill/>
+        </p:spPr>
+        <p:txBody>
+          <a:bodyPr wrap="square" rtlCol="0">
+            <a:spAutoFit/>
+          </a:bodyPr>
+          <a:lstStyle/>
+          <a:p>
+            <a:r>
+              <a:rPr lang="en-US" sz="2000" smtClean="0">
+                <a:solidFill>
+                  <a:schemeClr val="accent1">
+                    <a:lumMod val="75000"/>
+                  </a:schemeClr>
+                </a:solidFill>
+              </a:rPr>
+              <a:t>Specii invazive = specii introduse intr-un mediu diferit de cel in care au evoluat, care se inmultesc intr-un ritm rapid si afecteaza noul mediu in mod negativ</a:t>
+            </a:r>
+          </a:p>
+          <a:p>
+            <a:endParaRPr lang="en-US" sz="2000">
+              <a:solidFill>
+                <a:schemeClr val="accent1">
+                  <a:lumMod val="75000"/>
+                </a:schemeClr>
+              </a:solidFill>
+            </a:endParaRPr>
+          </a:p>
+          <a:p>
+            <a:r>
+              <a:rPr lang="en-US" sz="2000" smtClean="0">
+                <a:solidFill>
+                  <a:schemeClr val="accent1">
+                    <a:lumMod val="75000"/>
+                  </a:schemeClr>
+                </a:solidFill>
+              </a:rPr>
+              <a:t>Identificarea lor necesita experti antrenati care sa mearga pe teren.</a:t>
+            </a:r>
+          </a:p>
+          <a:p>
+            <a:endParaRPr lang="en-US" sz="2000">
+              <a:solidFill>
+                <a:schemeClr val="accent1">
+                  <a:lumMod val="75000"/>
+                </a:schemeClr>
+              </a:solidFill>
+            </a:endParaRPr>
+          </a:p>
+          <a:p>
+            <a:r>
+              <a:rPr lang="en-US" sz="2000" smtClean="0">
+                <a:solidFill>
+                  <a:schemeClr val="accent1">
+                    <a:lumMod val="75000"/>
+                  </a:schemeClr>
+                </a:solidFill>
+              </a:rPr>
+              <a:t>Solutia noastra = identificarea automata din imagini</a:t>
+            </a:r>
+          </a:p>
+          <a:p>
+            <a:endParaRPr lang="en-US" sz="2000">
+              <a:solidFill>
+                <a:schemeClr val="accent1">
+                  <a:lumMod val="75000"/>
+                </a:schemeClr>
+              </a:solidFill>
+            </a:endParaRPr>
+          </a:p>
+          <a:p>
+            <a:r>
+              <a:rPr lang="en-US" sz="2000" smtClean="0">
+                <a:solidFill>
+                  <a:schemeClr val="accent1">
+                    <a:lumMod val="75000"/>
+                  </a:schemeClr>
+                </a:solidFill>
+              </a:rPr>
+              <a:t>In acest proiect ne rezumam la detectarea speciei Hydrangea in paduri.</a:t>
+            </a:r>
+            <a:endParaRPr lang="en-US" sz="2000">
+              <a:solidFill>
+                <a:schemeClr val="accent1">
+                  <a:lumMod val="75000"/>
+                </a:schemeClr>
+              </a:solidFill>
+            </a:endParaRPr>
+          </a:p>
+        </p:txBody>
+      </p:sp>
     </p:spTree>
     <p:extLst>
       <p:ext uri="{BB962C8B-B14F-4D97-AF65-F5344CB8AC3E}">
@@ -7442,17 +7547,7 @@
                   </a:schemeClr>
                 </a:solidFill>
               </a:rPr>
-              <a:t>Precision = procentul de imagini pozitive identificate corect din toate imaginile identificate </a:t>
-            </a:r>
-            <a:r>
-              <a:rPr lang="it-IT">
-                <a:solidFill>
-                  <a:schemeClr val="accent1">
-                    <a:lumMod val="75000"/>
-                  </a:schemeClr>
-                </a:solidFill>
-              </a:rPr>
-              <a:t>ca </a:t>
+              <a:t>Precision = procentul de imagini pozitive identificate corect din toate imaginile identificate ca </a:t>
             </a:r>
             <a:r>
               <a:rPr lang="it-IT" smtClean="0">
@@ -7946,7 +8041,7 @@
   <a:extraClrSchemeLst/>
   <a:extLst>
     <a:ext uri="{05A4C25C-085E-4340-85A3-A5531E510DB2}">
-      <thm15:themeFamily xmlns:thm15="http://schemas.microsoft.com/office/thememl/2012/main" xmlns="" name="Facet" id="{C0C680CD-088A-49FC-A102-D699147F32B2}" vid="{CFBC31BA-B70F-4F30-BCAA-4F3011E16C4D}"/>
+      <thm15:themeFamily xmlns="" xmlns:thm15="http://schemas.microsoft.com/office/thememl/2012/main" name="Facet" id="{C0C680CD-088A-49FC-A102-D699147F32B2}" vid="{CFBC31BA-B70F-4F30-BCAA-4F3011E16C4D}"/>
     </a:ext>
   </a:extLst>
 </a:theme>

--- a/documentatie/prezentare2.pptx
+++ b/documentatie/prezentare2.pptx
@@ -15,7 +15,8 @@
     <p:sldId id="266" r:id="rId9"/>
     <p:sldId id="262" r:id="rId10"/>
     <p:sldId id="263" r:id="rId11"/>
-    <p:sldId id="264" r:id="rId12"/>
+    <p:sldId id="267" r:id="rId12"/>
+    <p:sldId id="264" r:id="rId13"/>
   </p:sldIdLst>
   <p:sldSz cx="12192000" cy="6858000"/>
   <p:notesSz cx="6858000" cy="9144000"/>
@@ -840,7 +841,7 @@
             <a:fld id="{B61BEF0D-F0BB-DE4B-95CE-6DB70DBA9567}" type="datetimeFigureOut">
               <a:rPr lang="en-US" dirty="0"/>
               <a:pPr/>
-              <a:t>04-Jan-18</a:t>
+              <a:t>05-Jan-18</a:t>
             </a:fld>
             <a:endParaRPr lang="en-US" dirty="0"/>
           </a:p>
@@ -1088,7 +1089,7 @@
             <a:fld id="{B61BEF0D-F0BB-DE4B-95CE-6DB70DBA9567}" type="datetimeFigureOut">
               <a:rPr lang="en-US" dirty="0"/>
               <a:pPr/>
-              <a:t>04-Jan-18</a:t>
+              <a:t>05-Jan-18</a:t>
             </a:fld>
             <a:endParaRPr lang="en-US" dirty="0"/>
           </a:p>
@@ -1399,7 +1400,7 @@
             <a:fld id="{B61BEF0D-F0BB-DE4B-95CE-6DB70DBA9567}" type="datetimeFigureOut">
               <a:rPr lang="en-US" dirty="0"/>
               <a:pPr/>
-              <a:t>04-Jan-18</a:t>
+              <a:t>05-Jan-18</a:t>
             </a:fld>
             <a:endParaRPr lang="en-US" dirty="0"/>
           </a:p>
@@ -1737,7 +1738,7 @@
             <a:fld id="{B61BEF0D-F0BB-DE4B-95CE-6DB70DBA9567}" type="datetimeFigureOut">
               <a:rPr lang="en-US" dirty="0"/>
               <a:pPr/>
-              <a:t>04-Jan-18</a:t>
+              <a:t>05-Jan-18</a:t>
             </a:fld>
             <a:endParaRPr lang="en-US" dirty="0"/>
           </a:p>
@@ -2048,7 +2049,7 @@
             <a:fld id="{B61BEF0D-F0BB-DE4B-95CE-6DB70DBA9567}" type="datetimeFigureOut">
               <a:rPr lang="en-US" dirty="0"/>
               <a:pPr/>
-              <a:t>04-Jan-18</a:t>
+              <a:t>05-Jan-18</a:t>
             </a:fld>
             <a:endParaRPr lang="en-US" dirty="0"/>
           </a:p>
@@ -2438,7 +2439,7 @@
             <a:fld id="{B61BEF0D-F0BB-DE4B-95CE-6DB70DBA9567}" type="datetimeFigureOut">
               <a:rPr lang="en-US" dirty="0"/>
               <a:pPr/>
-              <a:t>04-Jan-18</a:t>
+              <a:t>05-Jan-18</a:t>
             </a:fld>
             <a:endParaRPr lang="en-US" dirty="0"/>
           </a:p>
@@ -2604,7 +2605,7 @@
           <a:p>
             <a:fld id="{55C6B4A9-1611-4792-9094-5F34BCA07E0B}" type="datetimeFigureOut">
               <a:rPr lang="en-US" dirty="0"/>
-              <a:t>04-Jan-18</a:t>
+              <a:t>05-Jan-18</a:t>
             </a:fld>
             <a:endParaRPr lang="en-US" dirty="0"/>
           </a:p>
@@ -2780,7 +2781,7 @@
             <a:fld id="{B61BEF0D-F0BB-DE4B-95CE-6DB70DBA9567}" type="datetimeFigureOut">
               <a:rPr lang="en-US" dirty="0"/>
               <a:pPr/>
-              <a:t>04-Jan-18</a:t>
+              <a:t>05-Jan-18</a:t>
             </a:fld>
             <a:endParaRPr lang="en-US" dirty="0"/>
           </a:p>
@@ -2953,7 +2954,7 @@
             <a:fld id="{B61BEF0D-F0BB-DE4B-95CE-6DB70DBA9567}" type="datetimeFigureOut">
               <a:rPr lang="en-US" dirty="0"/>
               <a:pPr/>
-              <a:t>04-Jan-18</a:t>
+              <a:t>05-Jan-18</a:t>
             </a:fld>
             <a:endParaRPr lang="en-US" dirty="0"/>
           </a:p>
@@ -3197,7 +3198,7 @@
             <a:fld id="{B61BEF0D-F0BB-DE4B-95CE-6DB70DBA9567}" type="datetimeFigureOut">
               <a:rPr lang="en-US" dirty="0"/>
               <a:pPr/>
-              <a:t>04-Jan-18</a:t>
+              <a:t>05-Jan-18</a:t>
             </a:fld>
             <a:endParaRPr lang="en-US" dirty="0"/>
           </a:p>
@@ -3425,7 +3426,7 @@
           <a:p>
             <a:fld id="{EB712588-04B1-427B-82EE-E8DB90309F08}" type="datetimeFigureOut">
               <a:rPr lang="en-US" dirty="0"/>
-              <a:t>04-Jan-18</a:t>
+              <a:t>05-Jan-18</a:t>
             </a:fld>
             <a:endParaRPr lang="en-US" dirty="0"/>
           </a:p>
@@ -3795,7 +3796,7 @@
             <a:fld id="{B61BEF0D-F0BB-DE4B-95CE-6DB70DBA9567}" type="datetimeFigureOut">
               <a:rPr lang="en-US" dirty="0"/>
               <a:pPr/>
-              <a:t>04-Jan-18</a:t>
+              <a:t>05-Jan-18</a:t>
             </a:fld>
             <a:endParaRPr lang="en-US" dirty="0"/>
           </a:p>
@@ -3915,7 +3916,7 @@
             <a:fld id="{B61BEF0D-F0BB-DE4B-95CE-6DB70DBA9567}" type="datetimeFigureOut">
               <a:rPr lang="en-US" dirty="0"/>
               <a:pPr/>
-              <a:t>04-Jan-18</a:t>
+              <a:t>05-Jan-18</a:t>
             </a:fld>
             <a:endParaRPr lang="en-US" dirty="0"/>
           </a:p>
@@ -4007,7 +4008,7 @@
             <a:fld id="{B61BEF0D-F0BB-DE4B-95CE-6DB70DBA9567}" type="datetimeFigureOut">
               <a:rPr lang="en-US" dirty="0"/>
               <a:pPr/>
-              <a:t>04-Jan-18</a:t>
+              <a:t>05-Jan-18</a:t>
             </a:fld>
             <a:endParaRPr lang="en-US" dirty="0"/>
           </a:p>
@@ -4258,7 +4259,7 @@
           <a:p>
             <a:fld id="{42A54C80-263E-416B-A8E0-580EDEADCBDC}" type="datetimeFigureOut">
               <a:rPr lang="en-US" dirty="0"/>
-              <a:t>04-Jan-18</a:t>
+              <a:t>05-Jan-18</a:t>
             </a:fld>
             <a:endParaRPr lang="en-US" dirty="0"/>
           </a:p>
@@ -4517,7 +4518,7 @@
             <a:fld id="{B61BEF0D-F0BB-DE4B-95CE-6DB70DBA9567}" type="datetimeFigureOut">
               <a:rPr lang="en-US" dirty="0"/>
               <a:pPr/>
-              <a:t>04-Jan-18</a:t>
+              <a:t>05-Jan-18</a:t>
             </a:fld>
             <a:endParaRPr lang="en-US" dirty="0"/>
           </a:p>
@@ -5257,7 +5258,7 @@
             <a:fld id="{B61BEF0D-F0BB-DE4B-95CE-6DB70DBA9567}" type="datetimeFigureOut">
               <a:rPr lang="en-US" dirty="0"/>
               <a:pPr/>
-              <a:t>04-Jan-18</a:t>
+              <a:t>05-Jan-18</a:t>
             </a:fld>
             <a:endParaRPr lang="en-US" dirty="0"/>
           </a:p>
@@ -6098,6 +6099,112 @@
           </a:p>
         </p:txBody>
       </p:sp>
+      <p:sp>
+        <p:nvSpPr>
+          <p:cNvPr id="3" name="TextBox 2"/>
+          <p:cNvSpPr txBox="1"/>
+          <p:nvPr/>
+        </p:nvSpPr>
+        <p:spPr>
+          <a:xfrm>
+            <a:off x="1008185" y="1729096"/>
+            <a:ext cx="6858000" cy="830997"/>
+          </a:xfrm>
+          <a:prstGeom prst="rect">
+            <a:avLst/>
+          </a:prstGeom>
+          <a:noFill/>
+        </p:spPr>
+        <p:txBody>
+          <a:bodyPr wrap="square" rtlCol="0">
+            <a:spAutoFit/>
+          </a:bodyPr>
+          <a:lstStyle/>
+          <a:p>
+            <a:r>
+              <a:rPr lang="en-US" sz="2400" smtClean="0">
+                <a:solidFill>
+                  <a:schemeClr val="accent1">
+                    <a:lumMod val="75000"/>
+                  </a:schemeClr>
+                </a:solidFill>
+              </a:rPr>
+              <a:t>Invatare nesupervizata din informatii extrase de autoencoders</a:t>
+            </a:r>
+            <a:endParaRPr lang="en-US" sz="2400">
+              <a:solidFill>
+                <a:schemeClr val="accent1">
+                  <a:lumMod val="75000"/>
+                </a:schemeClr>
+              </a:solidFill>
+            </a:endParaRPr>
+          </a:p>
+        </p:txBody>
+      </p:sp>
+      <p:pic>
+        <p:nvPicPr>
+          <p:cNvPr id="1026" name="Picture 2"/>
+          <p:cNvPicPr>
+            <a:picLocks noChangeAspect="1" noChangeArrowheads="1"/>
+          </p:cNvPicPr>
+          <p:nvPr/>
+        </p:nvPicPr>
+        <p:blipFill>
+          <a:blip r:embed="rId2">
+            <a:extLst>
+              <a:ext uri="{28A0092B-C50C-407E-A947-70E740481C1C}">
+                <a14:useLocalDpi xmlns:a14="http://schemas.microsoft.com/office/drawing/2010/main" val="0"/>
+              </a:ext>
+            </a:extLst>
+          </a:blip>
+          <a:srcRect/>
+          <a:stretch>
+            <a:fillRect/>
+          </a:stretch>
+        </p:blipFill>
+        <p:spPr bwMode="auto">
+          <a:xfrm>
+            <a:off x="1719665" y="2876616"/>
+            <a:ext cx="5951189" cy="2433938"/>
+          </a:xfrm>
+          <a:prstGeom prst="rect">
+            <a:avLst/>
+          </a:prstGeom>
+          <a:noFill/>
+          <a:ln>
+            <a:noFill/>
+          </a:ln>
+          <a:effectLst/>
+          <a:extLst>
+            <a:ext uri="{909E8E84-426E-40DD-AFC4-6F175D3DCCD1}">
+              <a14:hiddenFill xmlns:a14="http://schemas.microsoft.com/office/drawing/2010/main">
+                <a:solidFill>
+                  <a:schemeClr val="accent1"/>
+                </a:solidFill>
+              </a14:hiddenFill>
+            </a:ext>
+            <a:ext uri="{91240B29-F687-4F45-9708-019B960494DF}">
+              <a14:hiddenLine xmlns:a14="http://schemas.microsoft.com/office/drawing/2010/main" w="9525">
+                <a:solidFill>
+                  <a:schemeClr val="tx1"/>
+                </a:solidFill>
+                <a:miter lim="800000"/>
+                <a:headEnd/>
+                <a:tailEnd/>
+              </a14:hiddenLine>
+            </a:ext>
+            <a:ext uri="{AF507438-7753-43E0-B8FC-AC1667EBCBE1}">
+              <a14:hiddenEffects xmlns:a14="http://schemas.microsoft.com/office/drawing/2010/main">
+                <a:effectLst>
+                  <a:outerShdw dist="35921" dir="2700000" algn="ctr" rotWithShape="0">
+                    <a:schemeClr val="bg2"/>
+                  </a:outerShdw>
+                </a:effectLst>
+              </a14:hiddenEffects>
+            </a:ext>
+          </a:extLst>
+        </p:spPr>
+      </p:pic>
     </p:spTree>
     <p:extLst>
       <p:ext uri="{BB962C8B-B14F-4D97-AF65-F5344CB8AC3E}">
@@ -6147,6 +6254,104 @@
         </p:nvSpPr>
         <p:spPr>
           <a:xfrm>
+            <a:off x="1354667" y="234463"/>
+            <a:ext cx="7766936" cy="1202128"/>
+          </a:xfrm>
+        </p:spPr>
+        <p:txBody>
+          <a:bodyPr/>
+          <a:lstStyle/>
+          <a:p>
+            <a:pPr algn="ctr"/>
+            <a:r>
+              <a:rPr lang="en-US" smtClean="0"/>
+              <a:t>Rezultate numerice</a:t>
+            </a:r>
+            <a:endParaRPr lang="en-US"/>
+          </a:p>
+        </p:txBody>
+      </p:sp>
+      <p:sp>
+        <p:nvSpPr>
+          <p:cNvPr id="4" name="TextBox 3"/>
+          <p:cNvSpPr txBox="1"/>
+          <p:nvPr/>
+        </p:nvSpPr>
+        <p:spPr>
+          <a:xfrm>
+            <a:off x="2790092" y="2297723"/>
+            <a:ext cx="806631" cy="646331"/>
+          </a:xfrm>
+          <a:prstGeom prst="rect">
+            <a:avLst/>
+          </a:prstGeom>
+          <a:noFill/>
+        </p:spPr>
+        <p:txBody>
+          <a:bodyPr wrap="none" rtlCol="0">
+            <a:spAutoFit/>
+          </a:bodyPr>
+          <a:lstStyle/>
+          <a:p>
+            <a:r>
+              <a:rPr lang="en-US" smtClean="0"/>
+              <a:t>Zsisku</a:t>
+            </a:r>
+          </a:p>
+          <a:p>
+            <a:endParaRPr lang="en-US"/>
+          </a:p>
+        </p:txBody>
+      </p:sp>
+    </p:spTree>
+    <p:extLst>
+      <p:ext uri="{BB962C8B-B14F-4D97-AF65-F5344CB8AC3E}">
+        <p14:creationId xmlns:p14="http://schemas.microsoft.com/office/powerpoint/2010/main" val="982317183"/>
+      </p:ext>
+    </p:extLst>
+  </p:cSld>
+  <p:clrMapOvr>
+    <a:masterClrMapping/>
+  </p:clrMapOvr>
+  <p:timing>
+    <p:tnLst>
+      <p:par>
+        <p:cTn id="1" dur="indefinite" restart="never" nodeType="tmRoot"/>
+      </p:par>
+    </p:tnLst>
+  </p:timing>
+</p:sld>
+</file>
+
+<file path=ppt/slides/slide12.xml><?xml version="1.0" encoding="utf-8"?>
+<p:sld xmlns:a="http://schemas.openxmlformats.org/drawingml/2006/main" xmlns:r="http://schemas.openxmlformats.org/officeDocument/2006/relationships" xmlns:p="http://schemas.openxmlformats.org/presentationml/2006/main">
+  <p:cSld>
+    <p:spTree>
+      <p:nvGrpSpPr>
+        <p:cNvPr id="1" name=""/>
+        <p:cNvGrpSpPr/>
+        <p:nvPr/>
+      </p:nvGrpSpPr>
+      <p:grpSpPr>
+        <a:xfrm>
+          <a:off x="0" y="0"/>
+          <a:ext cx="0" cy="0"/>
+          <a:chOff x="0" y="0"/>
+          <a:chExt cx="0" cy="0"/>
+        </a:xfrm>
+      </p:grpSpPr>
+      <p:sp>
+        <p:nvSpPr>
+          <p:cNvPr id="2" name="Title 1"/>
+          <p:cNvSpPr>
+            <a:spLocks noGrp="1"/>
+          </p:cNvSpPr>
+          <p:nvPr>
+            <p:ph type="ctrTitle"/>
+          </p:nvPr>
+        </p:nvSpPr>
+        <p:spPr>
+          <a:xfrm>
             <a:off x="1471897" y="211015"/>
             <a:ext cx="7766936" cy="1284190"/>
           </a:xfrm>
@@ -6161,6 +6366,52 @@
               <a:t>Concluzii</a:t>
             </a:r>
             <a:endParaRPr lang="en-US"/>
+          </a:p>
+        </p:txBody>
+      </p:sp>
+      <p:sp>
+        <p:nvSpPr>
+          <p:cNvPr id="3" name="TextBox 2"/>
+          <p:cNvSpPr txBox="1"/>
+          <p:nvPr/>
+        </p:nvSpPr>
+        <p:spPr>
+          <a:xfrm>
+            <a:off x="1559169" y="1817076"/>
+            <a:ext cx="6834553" cy="923330"/>
+          </a:xfrm>
+          <a:prstGeom prst="rect">
+            <a:avLst/>
+          </a:prstGeom>
+          <a:noFill/>
+        </p:spPr>
+        <p:txBody>
+          <a:bodyPr wrap="square" rtlCol="0">
+            <a:spAutoFit/>
+          </a:bodyPr>
+          <a:lstStyle/>
+          <a:p>
+            <a:pPr marL="285750" indent="-285750">
+              <a:buFont typeface="Arial" pitchFamily="34" charset="0"/>
+              <a:buChar char="•"/>
+            </a:pPr>
+            <a:r>
+              <a:rPr lang="en-US" smtClean="0">
+                <a:solidFill>
+                  <a:schemeClr val="accent1">
+                    <a:lumMod val="75000"/>
+                  </a:schemeClr>
+                </a:solidFill>
+              </a:rPr>
+              <a:t>Valoarea de loss la autoencoder e destul de mare ~0.6, deci s-ar putea obtine rezultate mai bune pe dimensiuni mai mari ale imaginilor</a:t>
+            </a:r>
+            <a:endParaRPr lang="en-US">
+              <a:solidFill>
+                <a:schemeClr val="accent1">
+                  <a:lumMod val="75000"/>
+                </a:schemeClr>
+              </a:solidFill>
+            </a:endParaRPr>
           </a:p>
         </p:txBody>
       </p:sp>
@@ -8041,7 +8292,7 @@
   <a:extraClrSchemeLst/>
   <a:extLst>
     <a:ext uri="{05A4C25C-085E-4340-85A3-A5531E510DB2}">
-      <thm15:themeFamily xmlns="" xmlns:thm15="http://schemas.microsoft.com/office/thememl/2012/main" name="Facet" id="{C0C680CD-088A-49FC-A102-D699147F32B2}" vid="{CFBC31BA-B70F-4F30-BCAA-4F3011E16C4D}"/>
+      <thm15:themeFamily xmlns:thm15="http://schemas.microsoft.com/office/thememl/2012/main" xmlns="" name="Facet" id="{C0C680CD-088A-49FC-A102-D699147F32B2}" vid="{CFBC31BA-B70F-4F30-BCAA-4F3011E16C4D}"/>
     </a:ext>
   </a:extLst>
 </a:theme>
